--- a/techtalk_ParallelStreams_Kantserov.pptx
+++ b/techtalk_ParallelStreams_Kantserov.pptx
@@ -5,10 +5,10 @@
     <p:sldMasterId id="2147483730" r:id="rId4"/>
   </p:sldMasterIdLst>
   <p:notesMasterIdLst>
-    <p:notesMasterId r:id="rId16"/>
+    <p:notesMasterId r:id="rId19"/>
   </p:notesMasterIdLst>
   <p:handoutMasterIdLst>
-    <p:handoutMasterId r:id="rId17"/>
+    <p:handoutMasterId r:id="rId20"/>
   </p:handoutMasterIdLst>
   <p:sldIdLst>
     <p:sldId id="448" r:id="rId5"/>
@@ -19,9 +19,12 @@
     <p:sldId id="505" r:id="rId10"/>
     <p:sldId id="506" r:id="rId11"/>
     <p:sldId id="528" r:id="rId12"/>
-    <p:sldId id="526" r:id="rId13"/>
-    <p:sldId id="527" r:id="rId14"/>
-    <p:sldId id="469" r:id="rId15"/>
+    <p:sldId id="529" r:id="rId13"/>
+    <p:sldId id="530" r:id="rId14"/>
+    <p:sldId id="531" r:id="rId15"/>
+    <p:sldId id="526" r:id="rId16"/>
+    <p:sldId id="527" r:id="rId17"/>
+    <p:sldId id="469" r:id="rId18"/>
   </p:sldIdLst>
   <p:sldSz cx="9144000" cy="5143500" type="screen16x9"/>
   <p:notesSz cx="6858000" cy="9144000"/>
@@ -2818,87 +2821,171 @@
       </p:grpSpPr>
       <p:sp>
         <p:nvSpPr>
-          <p:cNvPr id="2" name="Содержимое 1"/>
+          <p:cNvPr id="3" name="Text Placeholder 2"/>
           <p:cNvSpPr>
             <a:spLocks noGrp="1"/>
           </p:cNvSpPr>
           <p:nvPr>
-            <p:ph idx="1"/>
+            <p:ph type="body" sz="quarter" idx="10"/>
           </p:nvPr>
         </p:nvSpPr>
         <p:spPr/>
         <p:txBody>
-          <a:bodyPr>
-            <a:normAutofit/>
+          <a:bodyPr/>
+          <a:lstStyle/>
+          <a:p>
+            <a:r>
+              <a:rPr lang="en-US" dirty="0" smtClean="0"/>
+              <a:t>Test results</a:t>
+            </a:r>
+            <a:endParaRPr lang="en-US" dirty="0"/>
+          </a:p>
+        </p:txBody>
+      </p:sp>
+      <p:pic>
+        <p:nvPicPr>
+          <p:cNvPr id="5" name="Picture 4"/>
+          <p:cNvPicPr>
+            <a:picLocks noChangeAspect="1"/>
+          </p:cNvPicPr>
+          <p:nvPr/>
+        </p:nvPicPr>
+        <p:blipFill>
+          <a:blip r:embed="rId2"/>
+          <a:stretch>
+            <a:fillRect/>
+          </a:stretch>
+        </p:blipFill>
+        <p:spPr>
+          <a:xfrm>
+            <a:off x="1185862" y="1100137"/>
+            <a:ext cx="6772275" cy="2943225"/>
+          </a:xfrm>
+          <a:prstGeom prst="rect">
+            <a:avLst/>
+          </a:prstGeom>
+        </p:spPr>
+      </p:pic>
+    </p:spTree>
+    <p:extLst>
+      <p:ext uri="{BB962C8B-B14F-4D97-AF65-F5344CB8AC3E}">
+        <p14:creationId xmlns:p14="http://schemas.microsoft.com/office/powerpoint/2010/main" val="1636118014"/>
+      </p:ext>
+    </p:extLst>
+  </p:cSld>
+  <p:clrMapOvr>
+    <a:masterClrMapping/>
+  </p:clrMapOvr>
+</p:sld>
+</file>
+
+<file path=ppt/slides/slide11.xml><?xml version="1.0" encoding="utf-8"?>
+<p:sld xmlns:a="http://schemas.openxmlformats.org/drawingml/2006/main" xmlns:r="http://schemas.openxmlformats.org/officeDocument/2006/relationships" xmlns:p="http://schemas.openxmlformats.org/presentationml/2006/main">
+  <p:cSld>
+    <p:spTree>
+      <p:nvGrpSpPr>
+        <p:cNvPr id="1" name=""/>
+        <p:cNvGrpSpPr/>
+        <p:nvPr/>
+      </p:nvGrpSpPr>
+      <p:grpSpPr>
+        <a:xfrm>
+          <a:off x="0" y="0"/>
+          <a:ext cx="0" cy="0"/>
+          <a:chOff x="0" y="0"/>
+          <a:chExt cx="0" cy="0"/>
+        </a:xfrm>
+      </p:grpSpPr>
+      <p:sp>
+        <p:nvSpPr>
+          <p:cNvPr id="3" name="Text Placeholder 2"/>
+          <p:cNvSpPr>
+            <a:spLocks noGrp="1"/>
+          </p:cNvSpPr>
+          <p:nvPr>
+            <p:ph type="body" sz="quarter" idx="10"/>
+          </p:nvPr>
+        </p:nvSpPr>
+        <p:spPr/>
+        <p:txBody>
+          <a:bodyPr/>
+          <a:lstStyle/>
+          <a:p>
+            <a:r>
+              <a:rPr lang="en-US" dirty="0" smtClean="0"/>
+              <a:t>Common mistakes</a:t>
+            </a:r>
+            <a:endParaRPr lang="en-US" dirty="0"/>
+          </a:p>
+        </p:txBody>
+      </p:sp>
+      <p:sp>
+        <p:nvSpPr>
+          <p:cNvPr id="4" name="Rectangle 3"/>
+          <p:cNvSpPr/>
+          <p:nvPr/>
+        </p:nvSpPr>
+        <p:spPr>
+          <a:xfrm>
+            <a:off x="609601" y="2406630"/>
+            <a:ext cx="7750627" cy="707886"/>
+          </a:xfrm>
+          <a:prstGeom prst="rect">
+            <a:avLst/>
+          </a:prstGeom>
+        </p:spPr>
+        <p:txBody>
+          <a:bodyPr wrap="square">
+            <a:spAutoFit/>
           </a:bodyPr>
           <a:lstStyle/>
           <a:p>
             <a:r>
-              <a:rPr lang="en-US" sz="2000" dirty="0"/>
-              <a:t>Stream Parallel Guidance - Doug Lea: </a:t>
-            </a:r>
-            <a:r>
-              <a:rPr lang="en-US" sz="2000" dirty="0">
-                <a:hlinkClick r:id="rId2"/>
-              </a:rPr>
-              <a:t>http://</a:t>
-            </a:r>
-            <a:r>
-              <a:rPr lang="en-US" sz="2000" dirty="0" smtClean="0">
-                <a:hlinkClick r:id="rId2"/>
-              </a:rPr>
-              <a:t>gee.cs.oswego.edu/dl/html/StreamParallelGuidance.html</a:t>
-            </a:r>
-            <a:endParaRPr lang="en-US" sz="2000" dirty="0" smtClean="0"/>
-          </a:p>
-          <a:p>
-            <a:pPr marL="0" indent="0">
-              <a:buNone/>
-            </a:pPr>
-            <a:endParaRPr lang="en-US" sz="2000" dirty="0" smtClean="0"/>
-          </a:p>
-          <a:p>
-            <a:r>
-              <a:rPr lang="en-US" sz="2000" dirty="0" err="1" smtClean="0"/>
-              <a:t>Shipilëv</a:t>
-            </a:r>
-            <a:r>
-              <a:rPr lang="en-US" sz="2000" dirty="0" smtClean="0"/>
-              <a:t> blog: </a:t>
-            </a:r>
-            <a:r>
-              <a:rPr lang="en-US" sz="2000" dirty="0">
-                <a:hlinkClick r:id="rId3"/>
-              </a:rPr>
-              <a:t>https://shipilev.net</a:t>
-            </a:r>
-            <a:r>
-              <a:rPr lang="en-US" sz="2000" dirty="0" smtClean="0">
-                <a:hlinkClick r:id="rId3"/>
-              </a:rPr>
-              <a:t>/</a:t>
-            </a:r>
-            <a:endParaRPr lang="en-US" sz="2000" dirty="0" smtClean="0"/>
-          </a:p>
-          <a:p>
-            <a:pPr marL="0" indent="0">
-              <a:buNone/>
-            </a:pPr>
-            <a:endParaRPr lang="en-US" sz="2000" dirty="0" smtClean="0"/>
-          </a:p>
-          <a:p>
-            <a:r>
-              <a:rPr lang="en-US" sz="2000" dirty="0" smtClean="0"/>
-              <a:t>Talk samples</a:t>
-            </a:r>
-            <a:r>
-              <a:rPr lang="en-US" sz="2000" dirty="0"/>
-              <a:t>: https://github.com/mihakz/streamTalk</a:t>
-            </a:r>
-            <a:endParaRPr lang="en-US" sz="2000" dirty="0" smtClean="0"/>
-          </a:p>
-        </p:txBody>
-      </p:sp>
+              <a:rPr lang="en-US" sz="4000" dirty="0" smtClean="0"/>
+              <a:t>Lets see some </a:t>
+            </a:r>
+            <a:r>
+              <a:rPr lang="en-US" sz="4000" dirty="0" smtClean="0"/>
+              <a:t>error prone code</a:t>
+            </a:r>
+            <a:r>
+              <a:rPr lang="en-US" sz="4000" dirty="0" smtClean="0"/>
+              <a:t>!</a:t>
+            </a:r>
+            <a:endParaRPr lang="en-US" sz="4000" dirty="0"/>
+          </a:p>
+        </p:txBody>
+      </p:sp>
+    </p:spTree>
+    <p:extLst>
+      <p:ext uri="{BB962C8B-B14F-4D97-AF65-F5344CB8AC3E}">
+        <p14:creationId xmlns:p14="http://schemas.microsoft.com/office/powerpoint/2010/main" val="1059178019"/>
+      </p:ext>
+    </p:extLst>
+  </p:cSld>
+  <p:clrMapOvr>
+    <a:masterClrMapping/>
+  </p:clrMapOvr>
+</p:sld>
+</file>
+
+<file path=ppt/slides/slide12.xml><?xml version="1.0" encoding="utf-8"?>
+<p:sld xmlns:a="http://schemas.openxmlformats.org/drawingml/2006/main" xmlns:r="http://schemas.openxmlformats.org/officeDocument/2006/relationships" xmlns:p="http://schemas.openxmlformats.org/presentationml/2006/main">
+  <p:cSld>
+    <p:spTree>
+      <p:nvGrpSpPr>
+        <p:cNvPr id="1" name=""/>
+        <p:cNvGrpSpPr/>
+        <p:nvPr/>
+      </p:nvGrpSpPr>
+      <p:grpSpPr>
+        <a:xfrm>
+          <a:off x="0" y="0"/>
+          <a:ext cx="0" cy="0"/>
+          <a:chOff x="0" y="0"/>
+          <a:chExt cx="0" cy="0"/>
+        </a:xfrm>
+      </p:grpSpPr>
       <p:sp>
         <p:nvSpPr>
           <p:cNvPr id="3" name="Текст 2"/>
@@ -2916,12 +3003,72 @@
           <a:p>
             <a:r>
               <a:rPr lang="en-US" dirty="0" smtClean="0"/>
-              <a:t>Sources</a:t>
+              <a:t>QA</a:t>
             </a:r>
             <a:endParaRPr lang="ru-RU" dirty="0"/>
           </a:p>
         </p:txBody>
       </p:sp>
+      <p:sp>
+        <p:nvSpPr>
+          <p:cNvPr id="9220" name="AutoShape 4" descr="Image result for ask questions meme"/>
+          <p:cNvSpPr>
+            <a:spLocks noChangeAspect="1" noChangeArrowheads="1"/>
+          </p:cNvSpPr>
+          <p:nvPr/>
+        </p:nvSpPr>
+        <p:spPr bwMode="auto">
+          <a:xfrm>
+            <a:off x="155575" y="-144463"/>
+            <a:ext cx="304800" cy="304801"/>
+          </a:xfrm>
+          <a:prstGeom prst="rect">
+            <a:avLst/>
+          </a:prstGeom>
+          <a:noFill/>
+        </p:spPr>
+        <p:txBody>
+          <a:bodyPr vert="horz" wrap="square" lIns="91440" tIns="45720" rIns="91440" bIns="45720" numCol="1" anchor="t" anchorCtr="0" compatLnSpc="1">
+            <a:prstTxWarp prst="textNoShape">
+              <a:avLst/>
+            </a:prstTxWarp>
+          </a:bodyPr>
+          <a:lstStyle/>
+          <a:p>
+            <a:endParaRPr lang="ru-RU"/>
+          </a:p>
+        </p:txBody>
+      </p:sp>
+      <p:pic>
+        <p:nvPicPr>
+          <p:cNvPr id="2" name="Picture 1"/>
+          <p:cNvPicPr>
+            <a:picLocks noChangeAspect="1"/>
+          </p:cNvPicPr>
+          <p:nvPr/>
+        </p:nvPicPr>
+        <p:blipFill>
+          <a:blip r:embed="rId2">
+            <a:extLst>
+              <a:ext uri="{28A0092B-C50C-407E-A947-70E740481C1C}">
+                <a14:useLocalDpi xmlns:a14="http://schemas.microsoft.com/office/drawing/2010/main" val="0"/>
+              </a:ext>
+            </a:extLst>
+          </a:blip>
+          <a:stretch>
+            <a:fillRect/>
+          </a:stretch>
+        </p:blipFill>
+        <p:spPr>
+          <a:xfrm>
+            <a:off x="2190750" y="1185862"/>
+            <a:ext cx="4762500" cy="2771775"/>
+          </a:xfrm>
+          <a:prstGeom prst="rect">
+            <a:avLst/>
+          </a:prstGeom>
+        </p:spPr>
+      </p:pic>
     </p:spTree>
   </p:cSld>
   <p:clrMapOvr>
@@ -2937,7 +3084,145 @@
 </p:sld>
 </file>
 
-<file path=ppt/slides/slide11.xml><?xml version="1.0" encoding="utf-8"?>
+<file path=ppt/slides/slide13.xml><?xml version="1.0" encoding="utf-8"?>
+<p:sld xmlns:a="http://schemas.openxmlformats.org/drawingml/2006/main" xmlns:r="http://schemas.openxmlformats.org/officeDocument/2006/relationships" xmlns:p="http://schemas.openxmlformats.org/presentationml/2006/main">
+  <p:cSld>
+    <p:spTree>
+      <p:nvGrpSpPr>
+        <p:cNvPr id="1" name=""/>
+        <p:cNvGrpSpPr/>
+        <p:nvPr/>
+      </p:nvGrpSpPr>
+      <p:grpSpPr>
+        <a:xfrm>
+          <a:off x="0" y="0"/>
+          <a:ext cx="0" cy="0"/>
+          <a:chOff x="0" y="0"/>
+          <a:chExt cx="0" cy="0"/>
+        </a:xfrm>
+      </p:grpSpPr>
+      <p:sp>
+        <p:nvSpPr>
+          <p:cNvPr id="2" name="Содержимое 1"/>
+          <p:cNvSpPr>
+            <a:spLocks noGrp="1"/>
+          </p:cNvSpPr>
+          <p:nvPr>
+            <p:ph idx="1"/>
+          </p:nvPr>
+        </p:nvSpPr>
+        <p:spPr/>
+        <p:txBody>
+          <a:bodyPr>
+            <a:normAutofit/>
+          </a:bodyPr>
+          <a:lstStyle/>
+          <a:p>
+            <a:r>
+              <a:rPr lang="en-US" sz="2000" dirty="0"/>
+              <a:t>Stream Parallel Guidance - Doug Lea: </a:t>
+            </a:r>
+            <a:r>
+              <a:rPr lang="en-US" sz="2000" dirty="0">
+                <a:hlinkClick r:id="rId2"/>
+              </a:rPr>
+              <a:t>http://</a:t>
+            </a:r>
+            <a:r>
+              <a:rPr lang="en-US" sz="2000" dirty="0" smtClean="0">
+                <a:hlinkClick r:id="rId2"/>
+              </a:rPr>
+              <a:t>gee.cs.oswego.edu/dl/html/StreamParallelGuidance.html</a:t>
+            </a:r>
+            <a:endParaRPr lang="en-US" sz="2000" dirty="0" smtClean="0"/>
+          </a:p>
+          <a:p>
+            <a:pPr marL="0" indent="0">
+              <a:buNone/>
+            </a:pPr>
+            <a:endParaRPr lang="en-US" sz="2000" dirty="0" smtClean="0"/>
+          </a:p>
+          <a:p>
+            <a:r>
+              <a:rPr lang="en-US" sz="2000" dirty="0" err="1" smtClean="0"/>
+              <a:t>Shipilëv</a:t>
+            </a:r>
+            <a:r>
+              <a:rPr lang="en-US" sz="2000" dirty="0" smtClean="0"/>
+              <a:t> blog: </a:t>
+            </a:r>
+            <a:r>
+              <a:rPr lang="en-US" sz="2000" dirty="0">
+                <a:hlinkClick r:id="rId3"/>
+              </a:rPr>
+              <a:t>https://shipilev.net</a:t>
+            </a:r>
+            <a:r>
+              <a:rPr lang="en-US" sz="2000" dirty="0" smtClean="0">
+                <a:hlinkClick r:id="rId3"/>
+              </a:rPr>
+              <a:t>/</a:t>
+            </a:r>
+            <a:endParaRPr lang="en-US" sz="2000" dirty="0" smtClean="0"/>
+          </a:p>
+          <a:p>
+            <a:pPr marL="0" indent="0">
+              <a:buNone/>
+            </a:pPr>
+            <a:endParaRPr lang="en-US" sz="2000" dirty="0" smtClean="0"/>
+          </a:p>
+          <a:p>
+            <a:r>
+              <a:rPr lang="en-US" sz="2000" dirty="0" smtClean="0"/>
+              <a:t>Talk samples</a:t>
+            </a:r>
+            <a:r>
+              <a:rPr lang="en-US" sz="2000" dirty="0"/>
+              <a:t>: https://github.com/mihakz/streamTalk</a:t>
+            </a:r>
+            <a:endParaRPr lang="en-US" sz="2000" dirty="0" smtClean="0"/>
+          </a:p>
+        </p:txBody>
+      </p:sp>
+      <p:sp>
+        <p:nvSpPr>
+          <p:cNvPr id="3" name="Текст 2"/>
+          <p:cNvSpPr>
+            <a:spLocks noGrp="1"/>
+          </p:cNvSpPr>
+          <p:nvPr>
+            <p:ph type="body" sz="quarter" idx="10"/>
+          </p:nvPr>
+        </p:nvSpPr>
+        <p:spPr/>
+        <p:txBody>
+          <a:bodyPr/>
+          <a:lstStyle/>
+          <a:p>
+            <a:r>
+              <a:rPr lang="en-US" dirty="0" smtClean="0"/>
+              <a:t>Sources</a:t>
+            </a:r>
+            <a:endParaRPr lang="ru-RU" dirty="0"/>
+          </a:p>
+        </p:txBody>
+      </p:sp>
+    </p:spTree>
+  </p:cSld>
+  <p:clrMapOvr>
+    <a:masterClrMapping/>
+  </p:clrMapOvr>
+  <p:timing>
+    <p:tnLst>
+      <p:par>
+        <p:cTn id="1" dur="indefinite" restart="never" nodeType="tmRoot"/>
+      </p:par>
+    </p:tnLst>
+  </p:timing>
+</p:sld>
+</file>
+
+<file path=ppt/slides/slide14.xml><?xml version="1.0" encoding="utf-8"?>
 <p:sld xmlns:a="http://schemas.openxmlformats.org/drawingml/2006/main" xmlns:r="http://schemas.openxmlformats.org/officeDocument/2006/relationships" xmlns:p="http://schemas.openxmlformats.org/presentationml/2006/main">
   <p:cSld>
     <p:spTree>
@@ -5618,7 +5903,7 @@
       </p:grpSpPr>
       <p:sp>
         <p:nvSpPr>
-          <p:cNvPr id="3" name="Текст 2"/>
+          <p:cNvPr id="3" name="Text Placeholder 2"/>
           <p:cNvSpPr>
             <a:spLocks noGrp="1"/>
           </p:cNvSpPr>
@@ -5633,7 +5918,7 @@
           <a:p>
             <a:r>
               <a:rPr lang="en-US" dirty="0" smtClean="0"/>
-              <a:t>QA</a:t>
+              <a:t>Performance tests</a:t>
             </a:r>
             <a:endParaRPr lang="ru-RU" dirty="0"/>
           </a:p>
@@ -5641,76 +5926,51 @@
       </p:sp>
       <p:sp>
         <p:nvSpPr>
-          <p:cNvPr id="9220" name="AutoShape 4" descr="Image result for ask questions meme"/>
-          <p:cNvSpPr>
-            <a:spLocks noChangeAspect="1" noChangeArrowheads="1"/>
-          </p:cNvSpPr>
+          <p:cNvPr id="4" name="Rectangle 3"/>
+          <p:cNvSpPr/>
           <p:nvPr/>
         </p:nvSpPr>
-        <p:spPr bwMode="auto">
-          <a:xfrm>
-            <a:off x="155575" y="-144463"/>
-            <a:ext cx="304800" cy="304801"/>
+        <p:spPr>
+          <a:xfrm>
+            <a:off x="1297577" y="2406630"/>
+            <a:ext cx="6183085" cy="707886"/>
           </a:xfrm>
           <a:prstGeom prst="rect">
             <a:avLst/>
           </a:prstGeom>
-          <a:noFill/>
-        </p:spPr>
-        <p:txBody>
-          <a:bodyPr vert="horz" wrap="square" lIns="91440" tIns="45720" rIns="91440" bIns="45720" numCol="1" anchor="t" anchorCtr="0" compatLnSpc="1">
-            <a:prstTxWarp prst="textNoShape">
-              <a:avLst/>
-            </a:prstTxWarp>
+        </p:spPr>
+        <p:txBody>
+          <a:bodyPr wrap="square">
+            <a:spAutoFit/>
           </a:bodyPr>
           <a:lstStyle/>
           <a:p>
-            <a:endParaRPr lang="ru-RU"/>
-          </a:p>
-        </p:txBody>
-      </p:sp>
-      <p:pic>
-        <p:nvPicPr>
-          <p:cNvPr id="2" name="Picture 1"/>
-          <p:cNvPicPr>
-            <a:picLocks noChangeAspect="1"/>
-          </p:cNvPicPr>
-          <p:nvPr/>
-        </p:nvPicPr>
-        <p:blipFill>
-          <a:blip r:embed="rId2">
-            <a:extLst>
-              <a:ext uri="{28A0092B-C50C-407E-A947-70E740481C1C}">
-                <a14:useLocalDpi xmlns:a14="http://schemas.microsoft.com/office/drawing/2010/main" val="0"/>
-              </a:ext>
-            </a:extLst>
-          </a:blip>
-          <a:stretch>
-            <a:fillRect/>
-          </a:stretch>
-        </p:blipFill>
-        <p:spPr>
-          <a:xfrm>
-            <a:off x="2190750" y="1185862"/>
-            <a:ext cx="4762500" cy="2771775"/>
-          </a:xfrm>
-          <a:prstGeom prst="rect">
-            <a:avLst/>
-          </a:prstGeom>
-        </p:spPr>
-      </p:pic>
+            <a:r>
+              <a:rPr lang="en-US" sz="4000" dirty="0" smtClean="0"/>
+              <a:t>Lets see some </a:t>
+            </a:r>
+            <a:r>
+              <a:rPr lang="en-US" sz="4000" dirty="0" smtClean="0"/>
+              <a:t>more code</a:t>
+            </a:r>
+            <a:r>
+              <a:rPr lang="en-US" sz="4000" dirty="0" smtClean="0"/>
+              <a:t>!</a:t>
+            </a:r>
+            <a:endParaRPr lang="en-US" sz="4000" dirty="0"/>
+          </a:p>
+        </p:txBody>
+      </p:sp>
     </p:spTree>
+    <p:extLst>
+      <p:ext uri="{BB962C8B-B14F-4D97-AF65-F5344CB8AC3E}">
+        <p14:creationId xmlns:p14="http://schemas.microsoft.com/office/powerpoint/2010/main" val="3870010319"/>
+      </p:ext>
+    </p:extLst>
   </p:cSld>
   <p:clrMapOvr>
     <a:masterClrMapping/>
   </p:clrMapOvr>
-  <p:timing>
-    <p:tnLst>
-      <p:par>
-        <p:cTn id="1" dur="indefinite" restart="never" nodeType="tmRoot"/>
-      </p:par>
-    </p:tnLst>
-  </p:timing>
 </p:sld>
 </file>
 
@@ -6621,6 +6881,24 @@
 </file>
 
 <file path=customXml/item1.xml><?xml version="1.0" encoding="utf-8"?>
+<?mso-contentType ?>
+<FormTemplates xmlns="http://schemas.microsoft.com/sharepoint/v3/contenttype/forms">
+  <Display>DocumentLibraryForm</Display>
+  <Edit>DocumentLibraryForm</Edit>
+  <New>DocumentLibraryForm</New>
+</FormTemplates>
+</file>
+
+<file path=customXml/item2.xml><?xml version="1.0" encoding="utf-8"?>
+<p:properties xmlns:p="http://schemas.microsoft.com/office/2006/metadata/properties" xmlns:xsi="http://www.w3.org/2001/XMLSchema-instance" xmlns:pc="http://schemas.microsoft.com/office/infopath/2007/PartnerControls">
+  <documentManagement>
+    <PublishingExpirationDate xmlns="http://schemas.microsoft.com/sharepoint/v3" xsi:nil="true"/>
+    <PublishingStartDate xmlns="http://schemas.microsoft.com/sharepoint/v3" xsi:nil="true"/>
+  </documentManagement>
+</p:properties>
+</file>
+
+<file path=customXml/item3.xml><?xml version="1.0" encoding="utf-8"?>
 <ct:contentTypeSchema xmlns:ct="http://schemas.microsoft.com/office/2006/metadata/contentType" xmlns:ma="http://schemas.microsoft.com/office/2006/metadata/properties/metaAttributes" ct:_="" ma:_="" ma:contentTypeName="Document" ma:contentTypeID="0x010100B0E9A4A7D20EA84CAA39F80EA2A19865" ma:contentTypeVersion="1" ma:contentTypeDescription="Create a new document." ma:contentTypeScope="" ma:versionID="4ed0c655cf5595f31b06ef1418ca28bf">
   <xsd:schema xmlns:xsd="http://www.w3.org/2001/XMLSchema" xmlns:xs="http://www.w3.org/2001/XMLSchema" xmlns:p="http://schemas.microsoft.com/office/2006/metadata/properties" xmlns:ns1="http://schemas.microsoft.com/sharepoint/v3" targetNamespace="http://schemas.microsoft.com/office/2006/metadata/properties" ma:root="true" ma:fieldsID="4dcce58c87e9fcebab8021569449a8d0" ns1:_="">
     <xsd:import namespace="http://schemas.microsoft.com/sharepoint/v3"/>
@@ -6752,38 +7030,10 @@
 </ct:contentTypeSchema>
 </file>
 
-<file path=customXml/item2.xml><?xml version="1.0" encoding="utf-8"?>
-<p:properties xmlns:p="http://schemas.microsoft.com/office/2006/metadata/properties" xmlns:xsi="http://www.w3.org/2001/XMLSchema-instance" xmlns:pc="http://schemas.microsoft.com/office/infopath/2007/PartnerControls">
-  <documentManagement>
-    <PublishingExpirationDate xmlns="http://schemas.microsoft.com/sharepoint/v3" xsi:nil="true"/>
-    <PublishingStartDate xmlns="http://schemas.microsoft.com/sharepoint/v3" xsi:nil="true"/>
-  </documentManagement>
-</p:properties>
-</file>
-
-<file path=customXml/item3.xml><?xml version="1.0" encoding="utf-8"?>
-<?mso-contentType ?>
-<FormTemplates xmlns="http://schemas.microsoft.com/sharepoint/v3/contenttype/forms">
-  <Display>DocumentLibraryForm</Display>
-  <Edit>DocumentLibraryForm</Edit>
-  <New>DocumentLibraryForm</New>
-</FormTemplates>
-</file>
-
 <file path=customXml/itemProps1.xml><?xml version="1.0" encoding="utf-8"?>
-<ds:datastoreItem xmlns:ds="http://schemas.openxmlformats.org/officeDocument/2006/customXml" ds:itemID="{C3A1A37E-F8E3-427A-BCE9-B1DDB8B96CDF}">
+<ds:datastoreItem xmlns:ds="http://schemas.openxmlformats.org/officeDocument/2006/customXml" ds:itemID="{14883F0F-DE57-4ECA-B9BB-F22E8C5B5D82}">
   <ds:schemaRefs>
-    <ds:schemaRef ds:uri="http://schemas.microsoft.com/office/2006/metadata/contentType"/>
-    <ds:schemaRef ds:uri="http://schemas.microsoft.com/office/2006/metadata/properties/metaAttributes"/>
-    <ds:schemaRef ds:uri="http://www.w3.org/2001/XMLSchema"/>
-    <ds:schemaRef ds:uri="http://schemas.microsoft.com/office/2006/metadata/properties"/>
-    <ds:schemaRef ds:uri="http://schemas.microsoft.com/sharepoint/v3"/>
-    <ds:schemaRef ds:uri="http://schemas.microsoft.com/office/2006/documentManagement/types"/>
-    <ds:schemaRef ds:uri="http://schemas.microsoft.com/office/infopath/2007/PartnerControls"/>
-    <ds:schemaRef ds:uri="http://schemas.openxmlformats.org/package/2006/metadata/core-properties"/>
-    <ds:schemaRef ds:uri="http://purl.org/dc/elements/1.1/"/>
-    <ds:schemaRef ds:uri="http://purl.org/dc/terms/"/>
-    <ds:schemaRef ds:uri="http://schemas.microsoft.com/internal/obd"/>
+    <ds:schemaRef ds:uri="http://schemas.microsoft.com/sharepoint/v3/contenttype/forms"/>
   </ds:schemaRefs>
 </ds:datastoreItem>
 </file>
@@ -6805,9 +7055,19 @@
 </file>
 
 <file path=customXml/itemProps3.xml><?xml version="1.0" encoding="utf-8"?>
-<ds:datastoreItem xmlns:ds="http://schemas.openxmlformats.org/officeDocument/2006/customXml" ds:itemID="{14883F0F-DE57-4ECA-B9BB-F22E8C5B5D82}">
+<ds:datastoreItem xmlns:ds="http://schemas.openxmlformats.org/officeDocument/2006/customXml" ds:itemID="{C3A1A37E-F8E3-427A-BCE9-B1DDB8B96CDF}">
   <ds:schemaRefs>
-    <ds:schemaRef ds:uri="http://schemas.microsoft.com/sharepoint/v3/contenttype/forms"/>
+    <ds:schemaRef ds:uri="http://schemas.microsoft.com/office/2006/metadata/contentType"/>
+    <ds:schemaRef ds:uri="http://schemas.microsoft.com/office/2006/metadata/properties/metaAttributes"/>
+    <ds:schemaRef ds:uri="http://www.w3.org/2001/XMLSchema"/>
+    <ds:schemaRef ds:uri="http://schemas.microsoft.com/office/2006/metadata/properties"/>
+    <ds:schemaRef ds:uri="http://schemas.microsoft.com/sharepoint/v3"/>
+    <ds:schemaRef ds:uri="http://schemas.microsoft.com/office/2006/documentManagement/types"/>
+    <ds:schemaRef ds:uri="http://schemas.microsoft.com/office/infopath/2007/PartnerControls"/>
+    <ds:schemaRef ds:uri="http://schemas.openxmlformats.org/package/2006/metadata/core-properties"/>
+    <ds:schemaRef ds:uri="http://purl.org/dc/elements/1.1/"/>
+    <ds:schemaRef ds:uri="http://purl.org/dc/terms/"/>
+    <ds:schemaRef ds:uri="http://schemas.microsoft.com/internal/obd"/>
   </ds:schemaRefs>
 </ds:datastoreItem>
 </file>
--- a/techtalk_ParallelStreams_Kantserov.pptx
+++ b/techtalk_ParallelStreams_Kantserov.pptx
@@ -5,10 +5,10 @@
     <p:sldMasterId id="2147483730" r:id="rId4"/>
   </p:sldMasterIdLst>
   <p:notesMasterIdLst>
-    <p:notesMasterId r:id="rId19"/>
+    <p:notesMasterId r:id="rId21"/>
   </p:notesMasterIdLst>
   <p:handoutMasterIdLst>
-    <p:handoutMasterId r:id="rId20"/>
+    <p:handoutMasterId r:id="rId22"/>
   </p:handoutMasterIdLst>
   <p:sldIdLst>
     <p:sldId id="448" r:id="rId5"/>
@@ -21,10 +21,12 @@
     <p:sldId id="528" r:id="rId12"/>
     <p:sldId id="529" r:id="rId13"/>
     <p:sldId id="530" r:id="rId14"/>
-    <p:sldId id="531" r:id="rId15"/>
-    <p:sldId id="526" r:id="rId16"/>
-    <p:sldId id="527" r:id="rId17"/>
-    <p:sldId id="469" r:id="rId18"/>
+    <p:sldId id="532" r:id="rId15"/>
+    <p:sldId id="531" r:id="rId16"/>
+    <p:sldId id="533" r:id="rId17"/>
+    <p:sldId id="526" r:id="rId18"/>
+    <p:sldId id="527" r:id="rId19"/>
+    <p:sldId id="469" r:id="rId20"/>
   </p:sldIdLst>
   <p:sldSz cx="9144000" cy="5143500" type="screen16x9"/>
   <p:notesSz cx="6858000" cy="9144000"/>
@@ -427,7 +429,7 @@
             <a:fld id="{7F5E9BF7-95E4-A242-BA1D-05FDCF603BE6}" type="datetime1">
               <a:rPr lang="en-US" smtClean="0"/>
               <a:pPr/>
-              <a:t>4/21/2017</a:t>
+              <a:t>4/23/2017</a:t>
             </a:fld>
             <a:endParaRPr lang="en-US"/>
           </a:p>
@@ -595,7 +597,7 @@
             <a:fld id="{165DBCB1-0306-AD41-9452-11E7C08D5C04}" type="datetime1">
               <a:rPr lang="en-US" smtClean="0"/>
               <a:pPr/>
-              <a:t>4/21/2017</a:t>
+              <a:t>4/23/2017</a:t>
             </a:fld>
             <a:endParaRPr lang="en-US"/>
           </a:p>
@@ -2896,6 +2898,446 @@
           <a:chExt cx="0" cy="0"/>
         </a:xfrm>
       </p:grpSpPr>
+      <p:graphicFrame>
+        <p:nvGraphicFramePr>
+          <p:cNvPr id="4" name="Content Placeholder 3"/>
+          <p:cNvGraphicFramePr>
+            <a:graphicFrameLocks noGrp="1"/>
+          </p:cNvGraphicFramePr>
+          <p:nvPr>
+            <p:ph idx="1"/>
+            <p:extLst>
+              <p:ext uri="{D42A27DB-BD31-4B8C-83A1-F6EECF244321}">
+                <p14:modId xmlns:p14="http://schemas.microsoft.com/office/powerpoint/2010/main" val="2501861682"/>
+              </p:ext>
+            </p:extLst>
+          </p:nvPr>
+        </p:nvGraphicFramePr>
+        <p:xfrm>
+          <a:off x="360363" y="1079497"/>
+          <a:ext cx="8339136" cy="3085776"/>
+        </p:xfrm>
+        <a:graphic>
+          <a:graphicData uri="http://schemas.openxmlformats.org/drawingml/2006/table">
+            <a:tbl>
+              <a:tblPr firstRow="1" bandRow="1">
+                <a:tableStyleId>{5C22544A-7EE6-4342-B048-85BDC9FD1C3A}</a:tableStyleId>
+              </a:tblPr>
+              <a:tblGrid>
+                <a:gridCol w="2779712">
+                  <a:extLst>
+                    <a:ext uri="{9D8B030D-6E8A-4147-A177-3AD203B41FA5}">
+                      <a16:colId xmlns:a16="http://schemas.microsoft.com/office/drawing/2014/main" val="1414364961"/>
+                    </a:ext>
+                  </a:extLst>
+                </a:gridCol>
+                <a:gridCol w="2779712">
+                  <a:extLst>
+                    <a:ext uri="{9D8B030D-6E8A-4147-A177-3AD203B41FA5}">
+                      <a16:colId xmlns:a16="http://schemas.microsoft.com/office/drawing/2014/main" val="4010705530"/>
+                    </a:ext>
+                  </a:extLst>
+                </a:gridCol>
+                <a:gridCol w="2779712">
+                  <a:extLst>
+                    <a:ext uri="{9D8B030D-6E8A-4147-A177-3AD203B41FA5}">
+                      <a16:colId xmlns:a16="http://schemas.microsoft.com/office/drawing/2014/main" val="2524407028"/>
+                    </a:ext>
+                  </a:extLst>
+                </a:gridCol>
+              </a:tblGrid>
+              <a:tr h="458847">
+                <a:tc>
+                  <a:txBody>
+                    <a:bodyPr/>
+                    <a:lstStyle/>
+                    <a:p>
+                      <a:pPr algn="ctr"/>
+                      <a:r>
+                        <a:rPr lang="en-US" sz="2400" dirty="0" smtClean="0"/>
+                        <a:t>Criteria</a:t>
+                      </a:r>
+                      <a:endParaRPr lang="en-US" sz="2400" dirty="0"/>
+                    </a:p>
+                  </a:txBody>
+                  <a:tcPr/>
+                </a:tc>
+                <a:tc>
+                  <a:txBody>
+                    <a:bodyPr/>
+                    <a:lstStyle/>
+                    <a:p>
+                      <a:pPr algn="ctr"/>
+                      <a:r>
+                        <a:rPr lang="en-US" sz="2400" dirty="0" smtClean="0"/>
+                        <a:t>Parallel</a:t>
+                      </a:r>
+                      <a:endParaRPr lang="en-US" sz="2400" dirty="0"/>
+                    </a:p>
+                  </a:txBody>
+                  <a:tcPr>
+                    <a:solidFill>
+                      <a:schemeClr val="accent5">
+                        <a:lumMod val="40000"/>
+                        <a:lumOff val="60000"/>
+                      </a:schemeClr>
+                    </a:solidFill>
+                  </a:tcPr>
+                </a:tc>
+                <a:tc>
+                  <a:txBody>
+                    <a:bodyPr/>
+                    <a:lstStyle/>
+                    <a:p>
+                      <a:pPr algn="ctr"/>
+                      <a:r>
+                        <a:rPr lang="en-US" sz="2400" dirty="0" smtClean="0"/>
+                        <a:t>Sequential</a:t>
+                      </a:r>
+                      <a:endParaRPr lang="en-US" sz="2400" dirty="0"/>
+                    </a:p>
+                  </a:txBody>
+                  <a:tcPr>
+                    <a:solidFill>
+                      <a:schemeClr val="accent6">
+                        <a:lumMod val="40000"/>
+                        <a:lumOff val="60000"/>
+                      </a:schemeClr>
+                    </a:solidFill>
+                  </a:tcPr>
+                </a:tc>
+                <a:extLst>
+                  <a:ext uri="{0D108BD9-81ED-4DB2-BD59-A6C34878D82A}">
+                    <a16:rowId xmlns:a16="http://schemas.microsoft.com/office/drawing/2014/main" val="3137605706"/>
+                  </a:ext>
+                </a:extLst>
+              </a:tr>
+              <a:tr h="631803">
+                <a:tc>
+                  <a:txBody>
+                    <a:bodyPr/>
+                    <a:lstStyle/>
+                    <a:p>
+                      <a:r>
+                        <a:rPr lang="en-US" dirty="0" smtClean="0"/>
+                        <a:t>Stream</a:t>
+                      </a:r>
+                      <a:r>
+                        <a:rPr lang="en-US" baseline="0" dirty="0" smtClean="0"/>
+                        <a:t> scale factor</a:t>
+                      </a:r>
+                      <a:endParaRPr lang="en-US" dirty="0"/>
+                    </a:p>
+                  </a:txBody>
+                  <a:tcPr/>
+                </a:tc>
+                <a:tc>
+                  <a:txBody>
+                    <a:bodyPr/>
+                    <a:lstStyle/>
+                    <a:p>
+                      <a:r>
+                        <a:rPr lang="en-US" dirty="0" smtClean="0"/>
+                        <a:t>Large collection</a:t>
+                      </a:r>
+                    </a:p>
+                    <a:p>
+                      <a:r>
+                        <a:rPr lang="en-US" dirty="0" smtClean="0"/>
+                        <a:t>High cost per element</a:t>
+                      </a:r>
+                      <a:endParaRPr lang="en-US" dirty="0"/>
+                    </a:p>
+                  </a:txBody>
+                  <a:tcPr>
+                    <a:solidFill>
+                      <a:schemeClr val="accent5">
+                        <a:lumMod val="40000"/>
+                        <a:lumOff val="60000"/>
+                      </a:schemeClr>
+                    </a:solidFill>
+                  </a:tcPr>
+                </a:tc>
+                <a:tc>
+                  <a:txBody>
+                    <a:bodyPr/>
+                    <a:lstStyle/>
+                    <a:p>
+                      <a:r>
+                        <a:rPr lang="en-US" dirty="0" smtClean="0"/>
+                        <a:t>Small collection</a:t>
+                      </a:r>
+                    </a:p>
+                    <a:p>
+                      <a:r>
+                        <a:rPr lang="en-US" dirty="0" smtClean="0"/>
+                        <a:t>Low cost per element</a:t>
+                      </a:r>
+                    </a:p>
+                  </a:txBody>
+                  <a:tcPr>
+                    <a:solidFill>
+                      <a:schemeClr val="accent6">
+                        <a:lumMod val="40000"/>
+                        <a:lumOff val="60000"/>
+                      </a:schemeClr>
+                    </a:solidFill>
+                  </a:tcPr>
+                </a:tc>
+                <a:extLst>
+                  <a:ext uri="{0D108BD9-81ED-4DB2-BD59-A6C34878D82A}">
+                    <a16:rowId xmlns:a16="http://schemas.microsoft.com/office/drawing/2014/main" val="1770751268"/>
+                  </a:ext>
+                </a:extLst>
+              </a:tr>
+              <a:tr h="631803">
+                <a:tc>
+                  <a:txBody>
+                    <a:bodyPr/>
+                    <a:lstStyle/>
+                    <a:p>
+                      <a:r>
+                        <a:rPr lang="en-US" dirty="0" smtClean="0"/>
+                        <a:t>Source</a:t>
+                      </a:r>
+                      <a:r>
+                        <a:rPr lang="en-US" baseline="0" dirty="0" smtClean="0"/>
+                        <a:t> of stream</a:t>
+                      </a:r>
+                      <a:endParaRPr lang="en-US" dirty="0"/>
+                    </a:p>
+                  </a:txBody>
+                  <a:tcPr/>
+                </a:tc>
+                <a:tc>
+                  <a:txBody>
+                    <a:bodyPr/>
+                    <a:lstStyle/>
+                    <a:p>
+                      <a:r>
+                        <a:rPr lang="en-US" dirty="0" err="1" smtClean="0"/>
+                        <a:t>ArrayList</a:t>
+                      </a:r>
+                      <a:endParaRPr lang="en-US" dirty="0" smtClean="0"/>
+                    </a:p>
+                    <a:p>
+                      <a:r>
+                        <a:rPr lang="en-US" dirty="0" smtClean="0"/>
+                        <a:t>Plain</a:t>
+                      </a:r>
+                      <a:r>
+                        <a:rPr lang="en-US" baseline="0" dirty="0" smtClean="0"/>
+                        <a:t> array</a:t>
+                      </a:r>
+                    </a:p>
+                    <a:p>
+                      <a:r>
+                        <a:rPr lang="en-US" baseline="0" dirty="0" err="1" smtClean="0"/>
+                        <a:t>HashMap</a:t>
+                      </a:r>
+                      <a:endParaRPr lang="en-US" dirty="0"/>
+                    </a:p>
+                  </a:txBody>
+                  <a:tcPr>
+                    <a:solidFill>
+                      <a:schemeClr val="accent5">
+                        <a:lumMod val="40000"/>
+                        <a:lumOff val="60000"/>
+                      </a:schemeClr>
+                    </a:solidFill>
+                  </a:tcPr>
+                </a:tc>
+                <a:tc>
+                  <a:txBody>
+                    <a:bodyPr/>
+                    <a:lstStyle/>
+                    <a:p>
+                      <a:r>
+                        <a:rPr lang="en-US" dirty="0" err="1" smtClean="0"/>
+                        <a:t>LinkedList</a:t>
+                      </a:r>
+                      <a:endParaRPr lang="en-US" dirty="0" smtClean="0"/>
+                    </a:p>
+                    <a:p>
+                      <a:r>
+                        <a:rPr lang="en-US" dirty="0" err="1" smtClean="0"/>
+                        <a:t>BlockingQueue</a:t>
+                      </a:r>
+                      <a:endParaRPr lang="en-US" dirty="0" smtClean="0"/>
+                    </a:p>
+                    <a:p>
+                      <a:r>
+                        <a:rPr lang="en-US" dirty="0" smtClean="0"/>
+                        <a:t>IO</a:t>
+                      </a:r>
+                      <a:r>
+                        <a:rPr lang="en-US" baseline="0" dirty="0" smtClean="0"/>
+                        <a:t> based source</a:t>
+                      </a:r>
+                      <a:endParaRPr lang="en-US" dirty="0"/>
+                    </a:p>
+                  </a:txBody>
+                  <a:tcPr>
+                    <a:solidFill>
+                      <a:schemeClr val="accent6">
+                        <a:lumMod val="40000"/>
+                        <a:lumOff val="60000"/>
+                      </a:schemeClr>
+                    </a:solidFill>
+                  </a:tcPr>
+                </a:tc>
+                <a:extLst>
+                  <a:ext uri="{0D108BD9-81ED-4DB2-BD59-A6C34878D82A}">
+                    <a16:rowId xmlns:a16="http://schemas.microsoft.com/office/drawing/2014/main" val="2174320099"/>
+                  </a:ext>
+                </a:extLst>
+              </a:tr>
+              <a:tr h="631803">
+                <a:tc>
+                  <a:txBody>
+                    <a:bodyPr/>
+                    <a:lstStyle/>
+                    <a:p>
+                      <a:r>
+                        <a:rPr lang="en-US" dirty="0" smtClean="0"/>
+                        <a:t>Independence</a:t>
+                      </a:r>
+                      <a:endParaRPr lang="en-US" dirty="0"/>
+                    </a:p>
+                  </a:txBody>
+                  <a:tcPr/>
+                </a:tc>
+                <a:tc>
+                  <a:txBody>
+                    <a:bodyPr/>
+                    <a:lstStyle/>
+                    <a:p>
+                      <a:r>
+                        <a:rPr lang="en-US" dirty="0" smtClean="0"/>
+                        <a:t>Independent</a:t>
+                      </a:r>
+                    </a:p>
+                    <a:p>
+                      <a:r>
+                        <a:rPr lang="en-US" dirty="0" smtClean="0"/>
+                        <a:t>Stateless</a:t>
+                      </a:r>
+                      <a:endParaRPr lang="en-US" dirty="0"/>
+                    </a:p>
+                  </a:txBody>
+                  <a:tcPr>
+                    <a:solidFill>
+                      <a:schemeClr val="accent5">
+                        <a:lumMod val="40000"/>
+                        <a:lumOff val="60000"/>
+                      </a:schemeClr>
+                    </a:solidFill>
+                  </a:tcPr>
+                </a:tc>
+                <a:tc>
+                  <a:txBody>
+                    <a:bodyPr/>
+                    <a:lstStyle/>
+                    <a:p>
+                      <a:r>
+                        <a:rPr lang="en-US" dirty="0" smtClean="0"/>
+                        <a:t>Impact on other</a:t>
+                      </a:r>
+                    </a:p>
+                    <a:p>
+                      <a:r>
+                        <a:rPr lang="en-US" dirty="0" err="1" smtClean="0"/>
+                        <a:t>Stateful</a:t>
+                      </a:r>
+                      <a:endParaRPr lang="en-US" dirty="0"/>
+                    </a:p>
+                  </a:txBody>
+                  <a:tcPr>
+                    <a:solidFill>
+                      <a:schemeClr val="accent6">
+                        <a:lumMod val="40000"/>
+                        <a:lumOff val="60000"/>
+                      </a:schemeClr>
+                    </a:solidFill>
+                  </a:tcPr>
+                </a:tc>
+                <a:extLst>
+                  <a:ext uri="{0D108BD9-81ED-4DB2-BD59-A6C34878D82A}">
+                    <a16:rowId xmlns:a16="http://schemas.microsoft.com/office/drawing/2014/main" val="1858214594"/>
+                  </a:ext>
+                </a:extLst>
+              </a:tr>
+              <a:tr h="631803">
+                <a:tc>
+                  <a:txBody>
+                    <a:bodyPr/>
+                    <a:lstStyle/>
+                    <a:p>
+                      <a:r>
+                        <a:rPr lang="en-US" dirty="0" smtClean="0"/>
+                        <a:t>CPU</a:t>
+                      </a:r>
+                      <a:r>
+                        <a:rPr lang="en-US" baseline="0" dirty="0" smtClean="0"/>
+                        <a:t> cores</a:t>
+                      </a:r>
+                      <a:endParaRPr lang="en-US" dirty="0"/>
+                    </a:p>
+                  </a:txBody>
+                  <a:tcPr/>
+                </a:tc>
+                <a:tc>
+                  <a:txBody>
+                    <a:bodyPr/>
+                    <a:lstStyle/>
+                    <a:p>
+                      <a:r>
+                        <a:rPr lang="en-US" dirty="0" smtClean="0"/>
+                        <a:t>&gt;1 core</a:t>
+                      </a:r>
+                      <a:endParaRPr lang="en-US" dirty="0"/>
+                    </a:p>
+                  </a:txBody>
+                  <a:tcPr>
+                    <a:solidFill>
+                      <a:schemeClr val="accent5">
+                        <a:lumMod val="40000"/>
+                        <a:lumOff val="60000"/>
+                      </a:schemeClr>
+                    </a:solidFill>
+                  </a:tcPr>
+                </a:tc>
+                <a:tc>
+                  <a:txBody>
+                    <a:bodyPr/>
+                    <a:lstStyle/>
+                    <a:p>
+                      <a:r>
+                        <a:rPr lang="en-US" dirty="0" smtClean="0"/>
+                        <a:t>1 core</a:t>
+                      </a:r>
+                      <a:endParaRPr lang="en-US" dirty="0"/>
+                    </a:p>
+                  </a:txBody>
+                  <a:tcPr>
+                    <a:solidFill>
+                      <a:schemeClr val="accent6">
+                        <a:lumMod val="40000"/>
+                        <a:lumOff val="60000"/>
+                      </a:schemeClr>
+                    </a:solidFill>
+                  </a:tcPr>
+                </a:tc>
+                <a:extLst>
+                  <a:ext uri="{0D108BD9-81ED-4DB2-BD59-A6C34878D82A}">
+                    <a16:rowId xmlns:a16="http://schemas.microsoft.com/office/drawing/2014/main" val="4280268531"/>
+                  </a:ext>
+                </a:extLst>
+              </a:tr>
+            </a:tbl>
+          </a:graphicData>
+        </a:graphic>
+      </p:graphicFrame>
       <p:sp>
         <p:nvSpPr>
           <p:cNvPr id="3" name="Text Placeholder 2"/>
@@ -2913,53 +3355,16 @@
           <a:p>
             <a:r>
               <a:rPr lang="en-US" dirty="0" smtClean="0"/>
-              <a:t>Common mistakes</a:t>
+              <a:t>Sequential or parallel</a:t>
             </a:r>
             <a:endParaRPr lang="en-US" dirty="0"/>
-          </a:p>
-        </p:txBody>
-      </p:sp>
-      <p:sp>
-        <p:nvSpPr>
-          <p:cNvPr id="4" name="Rectangle 3"/>
-          <p:cNvSpPr/>
-          <p:nvPr/>
-        </p:nvSpPr>
-        <p:spPr>
-          <a:xfrm>
-            <a:off x="609601" y="2406630"/>
-            <a:ext cx="7750627" cy="707886"/>
-          </a:xfrm>
-          <a:prstGeom prst="rect">
-            <a:avLst/>
-          </a:prstGeom>
-        </p:spPr>
-        <p:txBody>
-          <a:bodyPr wrap="square">
-            <a:spAutoFit/>
-          </a:bodyPr>
-          <a:lstStyle/>
-          <a:p>
-            <a:r>
-              <a:rPr lang="en-US" sz="4000" dirty="0" smtClean="0"/>
-              <a:t>Lets see some </a:t>
-            </a:r>
-            <a:r>
-              <a:rPr lang="en-US" sz="4000" dirty="0" smtClean="0"/>
-              <a:t>error prone code</a:t>
-            </a:r>
-            <a:r>
-              <a:rPr lang="en-US" sz="4000" dirty="0" smtClean="0"/>
-              <a:t>!</a:t>
-            </a:r>
-            <a:endParaRPr lang="en-US" sz="4000" dirty="0"/>
           </a:p>
         </p:txBody>
       </p:sp>
     </p:spTree>
     <p:extLst>
       <p:ext uri="{BB962C8B-B14F-4D97-AF65-F5344CB8AC3E}">
-        <p14:creationId xmlns:p14="http://schemas.microsoft.com/office/powerpoint/2010/main" val="1059178019"/>
+        <p14:creationId xmlns:p14="http://schemas.microsoft.com/office/powerpoint/2010/main" val="4263405428"/>
       </p:ext>
     </p:extLst>
   </p:cSld>
@@ -2988,6 +3393,183 @@
       </p:grpSpPr>
       <p:sp>
         <p:nvSpPr>
+          <p:cNvPr id="3" name="Text Placeholder 2"/>
+          <p:cNvSpPr>
+            <a:spLocks noGrp="1"/>
+          </p:cNvSpPr>
+          <p:nvPr>
+            <p:ph type="body" sz="quarter" idx="10"/>
+          </p:nvPr>
+        </p:nvSpPr>
+        <p:spPr/>
+        <p:txBody>
+          <a:bodyPr/>
+          <a:lstStyle/>
+          <a:p>
+            <a:r>
+              <a:rPr lang="en-US" dirty="0" smtClean="0"/>
+              <a:t>Common mistakes</a:t>
+            </a:r>
+            <a:endParaRPr lang="en-US" dirty="0"/>
+          </a:p>
+        </p:txBody>
+      </p:sp>
+      <p:sp>
+        <p:nvSpPr>
+          <p:cNvPr id="4" name="Rectangle 3"/>
+          <p:cNvSpPr/>
+          <p:nvPr/>
+        </p:nvSpPr>
+        <p:spPr>
+          <a:xfrm>
+            <a:off x="609601" y="2406630"/>
+            <a:ext cx="7750627" cy="707886"/>
+          </a:xfrm>
+          <a:prstGeom prst="rect">
+            <a:avLst/>
+          </a:prstGeom>
+        </p:spPr>
+        <p:txBody>
+          <a:bodyPr wrap="square">
+            <a:spAutoFit/>
+          </a:bodyPr>
+          <a:lstStyle/>
+          <a:p>
+            <a:r>
+              <a:rPr lang="en-US" sz="4000" dirty="0" smtClean="0"/>
+              <a:t>Lets see some error prone code!</a:t>
+            </a:r>
+            <a:endParaRPr lang="en-US" sz="4000" dirty="0"/>
+          </a:p>
+        </p:txBody>
+      </p:sp>
+    </p:spTree>
+    <p:extLst>
+      <p:ext uri="{BB962C8B-B14F-4D97-AF65-F5344CB8AC3E}">
+        <p14:creationId xmlns:p14="http://schemas.microsoft.com/office/powerpoint/2010/main" val="1059178019"/>
+      </p:ext>
+    </p:extLst>
+  </p:cSld>
+  <p:clrMapOvr>
+    <a:masterClrMapping/>
+  </p:clrMapOvr>
+</p:sld>
+</file>
+
+<file path=ppt/slides/slide13.xml><?xml version="1.0" encoding="utf-8"?>
+<p:sld xmlns:a="http://schemas.openxmlformats.org/drawingml/2006/main" xmlns:r="http://schemas.openxmlformats.org/officeDocument/2006/relationships" xmlns:p="http://schemas.openxmlformats.org/presentationml/2006/main">
+  <p:cSld>
+    <p:spTree>
+      <p:nvGrpSpPr>
+        <p:cNvPr id="1" name=""/>
+        <p:cNvGrpSpPr/>
+        <p:nvPr/>
+      </p:nvGrpSpPr>
+      <p:grpSpPr>
+        <a:xfrm>
+          <a:off x="0" y="0"/>
+          <a:ext cx="0" cy="0"/>
+          <a:chOff x="0" y="0"/>
+          <a:chExt cx="0" cy="0"/>
+        </a:xfrm>
+      </p:grpSpPr>
+      <p:sp>
+        <p:nvSpPr>
+          <p:cNvPr id="2" name="Content Placeholder 1"/>
+          <p:cNvSpPr>
+            <a:spLocks noGrp="1"/>
+          </p:cNvSpPr>
+          <p:nvPr>
+            <p:ph idx="1"/>
+          </p:nvPr>
+        </p:nvSpPr>
+        <p:spPr>
+          <a:xfrm>
+            <a:off x="360363" y="1635162"/>
+            <a:ext cx="8339328" cy="2828016"/>
+          </a:xfrm>
+        </p:spPr>
+        <p:txBody>
+          <a:bodyPr>
+            <a:normAutofit/>
+          </a:bodyPr>
+          <a:lstStyle/>
+          <a:p>
+            <a:r>
+              <a:rPr lang="en-US" sz="3200" dirty="0" smtClean="0"/>
+              <a:t>Not managed? Probably, not the case</a:t>
+            </a:r>
+          </a:p>
+          <a:p>
+            <a:r>
+              <a:rPr lang="en-US" sz="3200" dirty="0" smtClean="0"/>
+              <a:t>Application server is already multithreaded</a:t>
+            </a:r>
+          </a:p>
+          <a:p>
+            <a:r>
+              <a:rPr lang="en-US" sz="3200" dirty="0" smtClean="0"/>
+              <a:t>Not sure? Don’t use!!!</a:t>
+            </a:r>
+            <a:endParaRPr lang="en-US" sz="3200" dirty="0"/>
+          </a:p>
+        </p:txBody>
+      </p:sp>
+      <p:sp>
+        <p:nvSpPr>
+          <p:cNvPr id="3" name="Text Placeholder 2"/>
+          <p:cNvSpPr>
+            <a:spLocks noGrp="1"/>
+          </p:cNvSpPr>
+          <p:nvPr>
+            <p:ph type="body" sz="quarter" idx="10"/>
+          </p:nvPr>
+        </p:nvSpPr>
+        <p:spPr/>
+        <p:txBody>
+          <a:bodyPr/>
+          <a:lstStyle/>
+          <a:p>
+            <a:r>
+              <a:rPr lang="en-US" dirty="0" smtClean="0"/>
+              <a:t>Some enterprise concerns</a:t>
+            </a:r>
+            <a:endParaRPr lang="en-US" dirty="0"/>
+          </a:p>
+        </p:txBody>
+      </p:sp>
+    </p:spTree>
+    <p:extLst>
+      <p:ext uri="{BB962C8B-B14F-4D97-AF65-F5344CB8AC3E}">
+        <p14:creationId xmlns:p14="http://schemas.microsoft.com/office/powerpoint/2010/main" val="1569240690"/>
+      </p:ext>
+    </p:extLst>
+  </p:cSld>
+  <p:clrMapOvr>
+    <a:masterClrMapping/>
+  </p:clrMapOvr>
+</p:sld>
+</file>
+
+<file path=ppt/slides/slide14.xml><?xml version="1.0" encoding="utf-8"?>
+<p:sld xmlns:a="http://schemas.openxmlformats.org/drawingml/2006/main" xmlns:r="http://schemas.openxmlformats.org/officeDocument/2006/relationships" xmlns:p="http://schemas.openxmlformats.org/presentationml/2006/main">
+  <p:cSld>
+    <p:spTree>
+      <p:nvGrpSpPr>
+        <p:cNvPr id="1" name=""/>
+        <p:cNvGrpSpPr/>
+        <p:nvPr/>
+      </p:nvGrpSpPr>
+      <p:grpSpPr>
+        <a:xfrm>
+          <a:off x="0" y="0"/>
+          <a:ext cx="0" cy="0"/>
+          <a:chOff x="0" y="0"/>
+          <a:chExt cx="0" cy="0"/>
+        </a:xfrm>
+      </p:grpSpPr>
+      <p:sp>
+        <p:nvSpPr>
           <p:cNvPr id="3" name="Текст 2"/>
           <p:cNvSpPr>
             <a:spLocks noGrp="1"/>
@@ -3084,7 +3666,7 @@
 </p:sld>
 </file>
 
-<file path=ppt/slides/slide13.xml><?xml version="1.0" encoding="utf-8"?>
+<file path=ppt/slides/slide15.xml><?xml version="1.0" encoding="utf-8"?>
 <p:sld xmlns:a="http://schemas.openxmlformats.org/drawingml/2006/main" xmlns:r="http://schemas.openxmlformats.org/officeDocument/2006/relationships" xmlns:p="http://schemas.openxmlformats.org/presentationml/2006/main">
   <p:cSld>
     <p:spTree>
@@ -3222,7 +3804,7 @@
 </p:sld>
 </file>
 
-<file path=ppt/slides/slide14.xml><?xml version="1.0" encoding="utf-8"?>
+<file path=ppt/slides/slide16.xml><?xml version="1.0" encoding="utf-8"?>
 <p:sld xmlns:a="http://schemas.openxmlformats.org/drawingml/2006/main" xmlns:r="http://schemas.openxmlformats.org/officeDocument/2006/relationships" xmlns:p="http://schemas.openxmlformats.org/presentationml/2006/main">
   <p:cSld>
     <p:spTree>
@@ -5947,15 +6529,7 @@
           <a:p>
             <a:r>
               <a:rPr lang="en-US" sz="4000" dirty="0" smtClean="0"/>
-              <a:t>Lets see some </a:t>
-            </a:r>
-            <a:r>
-              <a:rPr lang="en-US" sz="4000" dirty="0" smtClean="0"/>
-              <a:t>more code</a:t>
-            </a:r>
-            <a:r>
-              <a:rPr lang="en-US" sz="4000" dirty="0" smtClean="0"/>
-              <a:t>!</a:t>
+              <a:t>Lets see some more code!</a:t>
             </a:r>
             <a:endParaRPr lang="en-US" sz="4000" dirty="0"/>
           </a:p>

--- a/techtalk_ParallelStreams_Kantserov.pptx
+++ b/techtalk_ParallelStreams_Kantserov.pptx
@@ -5,10 +5,10 @@
     <p:sldMasterId id="2147483730" r:id="rId4"/>
   </p:sldMasterIdLst>
   <p:notesMasterIdLst>
-    <p:notesMasterId r:id="rId21"/>
+    <p:notesMasterId r:id="rId22"/>
   </p:notesMasterIdLst>
   <p:handoutMasterIdLst>
-    <p:handoutMasterId r:id="rId22"/>
+    <p:handoutMasterId r:id="rId23"/>
   </p:handoutMasterIdLst>
   <p:sldIdLst>
     <p:sldId id="448" r:id="rId5"/>
@@ -21,12 +21,13 @@
     <p:sldId id="528" r:id="rId12"/>
     <p:sldId id="529" r:id="rId13"/>
     <p:sldId id="530" r:id="rId14"/>
-    <p:sldId id="532" r:id="rId15"/>
-    <p:sldId id="531" r:id="rId16"/>
-    <p:sldId id="533" r:id="rId17"/>
-    <p:sldId id="526" r:id="rId18"/>
-    <p:sldId id="527" r:id="rId19"/>
-    <p:sldId id="469" r:id="rId20"/>
+    <p:sldId id="534" r:id="rId15"/>
+    <p:sldId id="532" r:id="rId16"/>
+    <p:sldId id="531" r:id="rId17"/>
+    <p:sldId id="533" r:id="rId18"/>
+    <p:sldId id="526" r:id="rId19"/>
+    <p:sldId id="527" r:id="rId20"/>
+    <p:sldId id="469" r:id="rId21"/>
   </p:sldIdLst>
   <p:sldSz cx="9144000" cy="5143500" type="screen16x9"/>
   <p:notesSz cx="6858000" cy="9144000"/>
@@ -429,7 +430,7 @@
             <a:fld id="{7F5E9BF7-95E4-A242-BA1D-05FDCF603BE6}" type="datetime1">
               <a:rPr lang="en-US" smtClean="0"/>
               <a:pPr/>
-              <a:t>4/23/2017</a:t>
+              <a:t>4/24/2017</a:t>
             </a:fld>
             <a:endParaRPr lang="en-US"/>
           </a:p>
@@ -597,7 +598,7 @@
             <a:fld id="{165DBCB1-0306-AD41-9452-11E7C08D5C04}" type="datetime1">
               <a:rPr lang="en-US" smtClean="0"/>
               <a:pPr/>
-              <a:t>4/23/2017</a:t>
+              <a:t>4/24/2017</a:t>
             </a:fld>
             <a:endParaRPr lang="en-US"/>
           </a:p>
@@ -2898,6 +2899,89 @@
           <a:chExt cx="0" cy="0"/>
         </a:xfrm>
       </p:grpSpPr>
+      <p:sp>
+        <p:nvSpPr>
+          <p:cNvPr id="3" name="Text Placeholder 2"/>
+          <p:cNvSpPr>
+            <a:spLocks noGrp="1"/>
+          </p:cNvSpPr>
+          <p:nvPr>
+            <p:ph type="body" sz="quarter" idx="10"/>
+          </p:nvPr>
+        </p:nvSpPr>
+        <p:spPr/>
+        <p:txBody>
+          <a:bodyPr/>
+          <a:lstStyle/>
+          <a:p>
+            <a:r>
+              <a:rPr lang="en-US" dirty="0" smtClean="0"/>
+              <a:t>From other point of view</a:t>
+            </a:r>
+            <a:endParaRPr lang="en-US" dirty="0"/>
+          </a:p>
+        </p:txBody>
+      </p:sp>
+      <p:pic>
+        <p:nvPicPr>
+          <p:cNvPr id="5" name="Picture 4"/>
+          <p:cNvPicPr>
+            <a:picLocks noChangeAspect="1"/>
+          </p:cNvPicPr>
+          <p:nvPr/>
+        </p:nvPicPr>
+        <p:blipFill>
+          <a:blip r:embed="rId2">
+            <a:extLst>
+              <a:ext uri="{28A0092B-C50C-407E-A947-70E740481C1C}">
+                <a14:useLocalDpi xmlns:a14="http://schemas.microsoft.com/office/drawing/2010/main" val="0"/>
+              </a:ext>
+            </a:extLst>
+          </a:blip>
+          <a:stretch>
+            <a:fillRect/>
+          </a:stretch>
+        </p:blipFill>
+        <p:spPr>
+          <a:xfrm>
+            <a:off x="2113493" y="888328"/>
+            <a:ext cx="4917014" cy="3772213"/>
+          </a:xfrm>
+          <a:prstGeom prst="rect">
+            <a:avLst/>
+          </a:prstGeom>
+        </p:spPr>
+      </p:pic>
+    </p:spTree>
+    <p:extLst>
+      <p:ext uri="{BB962C8B-B14F-4D97-AF65-F5344CB8AC3E}">
+        <p14:creationId xmlns:p14="http://schemas.microsoft.com/office/powerpoint/2010/main" val="4188284827"/>
+      </p:ext>
+    </p:extLst>
+  </p:cSld>
+  <p:clrMapOvr>
+    <a:masterClrMapping/>
+  </p:clrMapOvr>
+</p:sld>
+</file>
+
+<file path=ppt/slides/slide12.xml><?xml version="1.0" encoding="utf-8"?>
+<p:sld xmlns:a="http://schemas.openxmlformats.org/drawingml/2006/main" xmlns:r="http://schemas.openxmlformats.org/officeDocument/2006/relationships" xmlns:p="http://schemas.openxmlformats.org/presentationml/2006/main">
+  <p:cSld>
+    <p:spTree>
+      <p:nvGrpSpPr>
+        <p:cNvPr id="1" name=""/>
+        <p:cNvGrpSpPr/>
+        <p:nvPr/>
+      </p:nvGrpSpPr>
+      <p:grpSpPr>
+        <a:xfrm>
+          <a:off x="0" y="0"/>
+          <a:ext cx="0" cy="0"/>
+          <a:chOff x="0" y="0"/>
+          <a:chExt cx="0" cy="0"/>
+        </a:xfrm>
+      </p:grpSpPr>
       <p:graphicFrame>
         <p:nvGraphicFramePr>
           <p:cNvPr id="4" name="Content Placeholder 3"/>
@@ -2927,21 +3011,21 @@
                 <a:gridCol w="2779712">
                   <a:extLst>
                     <a:ext uri="{9D8B030D-6E8A-4147-A177-3AD203B41FA5}">
-                      <a16:colId xmlns:a16="http://schemas.microsoft.com/office/drawing/2014/main" val="1414364961"/>
+                      <a16:colId xmlns:a16="http://schemas.microsoft.com/office/drawing/2014/main" xmlns="" val="1414364961"/>
                     </a:ext>
                   </a:extLst>
                 </a:gridCol>
                 <a:gridCol w="2779712">
                   <a:extLst>
                     <a:ext uri="{9D8B030D-6E8A-4147-A177-3AD203B41FA5}">
-                      <a16:colId xmlns:a16="http://schemas.microsoft.com/office/drawing/2014/main" val="4010705530"/>
+                      <a16:colId xmlns:a16="http://schemas.microsoft.com/office/drawing/2014/main" xmlns="" val="4010705530"/>
                     </a:ext>
                   </a:extLst>
                 </a:gridCol>
                 <a:gridCol w="2779712">
                   <a:extLst>
                     <a:ext uri="{9D8B030D-6E8A-4147-A177-3AD203B41FA5}">
-                      <a16:colId xmlns:a16="http://schemas.microsoft.com/office/drawing/2014/main" val="2524407028"/>
+                      <a16:colId xmlns:a16="http://schemas.microsoft.com/office/drawing/2014/main" xmlns="" val="2524407028"/>
                     </a:ext>
                   </a:extLst>
                 </a:gridCol>
@@ -3008,7 +3092,7 @@
                 </a:tc>
                 <a:extLst>
                   <a:ext uri="{0D108BD9-81ED-4DB2-BD59-A6C34878D82A}">
-                    <a16:rowId xmlns:a16="http://schemas.microsoft.com/office/drawing/2014/main" val="3137605706"/>
+                    <a16:rowId xmlns:a16="http://schemas.microsoft.com/office/drawing/2014/main" xmlns="" val="3137605706"/>
                   </a:ext>
                 </a:extLst>
               </a:tr>
@@ -3086,7 +3170,7 @@
                 </a:tc>
                 <a:extLst>
                   <a:ext uri="{0D108BD9-81ED-4DB2-BD59-A6C34878D82A}">
-                    <a16:rowId xmlns:a16="http://schemas.microsoft.com/office/drawing/2014/main" val="1770751268"/>
+                    <a16:rowId xmlns:a16="http://schemas.microsoft.com/office/drawing/2014/main" xmlns="" val="1770751268"/>
                   </a:ext>
                 </a:extLst>
               </a:tr>
@@ -3188,7 +3272,7 @@
                 </a:tc>
                 <a:extLst>
                   <a:ext uri="{0D108BD9-81ED-4DB2-BD59-A6C34878D82A}">
-                    <a16:rowId xmlns:a16="http://schemas.microsoft.com/office/drawing/2014/main" val="2174320099"/>
+                    <a16:rowId xmlns:a16="http://schemas.microsoft.com/office/drawing/2014/main" xmlns="" val="2174320099"/>
                   </a:ext>
                 </a:extLst>
               </a:tr>
@@ -3263,7 +3347,7 @@
                 </a:tc>
                 <a:extLst>
                   <a:ext uri="{0D108BD9-81ED-4DB2-BD59-A6C34878D82A}">
-                    <a16:rowId xmlns:a16="http://schemas.microsoft.com/office/drawing/2014/main" val="1858214594"/>
+                    <a16:rowId xmlns:a16="http://schemas.microsoft.com/office/drawing/2014/main" xmlns="" val="1858214594"/>
                   </a:ext>
                 </a:extLst>
               </a:tr>
@@ -3330,7 +3414,7 @@
                 </a:tc>
                 <a:extLst>
                   <a:ext uri="{0D108BD9-81ED-4DB2-BD59-A6C34878D82A}">
-                    <a16:rowId xmlns:a16="http://schemas.microsoft.com/office/drawing/2014/main" val="4280268531"/>
+                    <a16:rowId xmlns:a16="http://schemas.microsoft.com/office/drawing/2014/main" xmlns="" val="4280268531"/>
                   </a:ext>
                 </a:extLst>
               </a:tr>
@@ -3365,88 +3449,6 @@
     <p:extLst>
       <p:ext uri="{BB962C8B-B14F-4D97-AF65-F5344CB8AC3E}">
         <p14:creationId xmlns:p14="http://schemas.microsoft.com/office/powerpoint/2010/main" val="4263405428"/>
-      </p:ext>
-    </p:extLst>
-  </p:cSld>
-  <p:clrMapOvr>
-    <a:masterClrMapping/>
-  </p:clrMapOvr>
-</p:sld>
-</file>
-
-<file path=ppt/slides/slide12.xml><?xml version="1.0" encoding="utf-8"?>
-<p:sld xmlns:a="http://schemas.openxmlformats.org/drawingml/2006/main" xmlns:r="http://schemas.openxmlformats.org/officeDocument/2006/relationships" xmlns:p="http://schemas.openxmlformats.org/presentationml/2006/main">
-  <p:cSld>
-    <p:spTree>
-      <p:nvGrpSpPr>
-        <p:cNvPr id="1" name=""/>
-        <p:cNvGrpSpPr/>
-        <p:nvPr/>
-      </p:nvGrpSpPr>
-      <p:grpSpPr>
-        <a:xfrm>
-          <a:off x="0" y="0"/>
-          <a:ext cx="0" cy="0"/>
-          <a:chOff x="0" y="0"/>
-          <a:chExt cx="0" cy="0"/>
-        </a:xfrm>
-      </p:grpSpPr>
-      <p:sp>
-        <p:nvSpPr>
-          <p:cNvPr id="3" name="Text Placeholder 2"/>
-          <p:cNvSpPr>
-            <a:spLocks noGrp="1"/>
-          </p:cNvSpPr>
-          <p:nvPr>
-            <p:ph type="body" sz="quarter" idx="10"/>
-          </p:nvPr>
-        </p:nvSpPr>
-        <p:spPr/>
-        <p:txBody>
-          <a:bodyPr/>
-          <a:lstStyle/>
-          <a:p>
-            <a:r>
-              <a:rPr lang="en-US" dirty="0" smtClean="0"/>
-              <a:t>Common mistakes</a:t>
-            </a:r>
-            <a:endParaRPr lang="en-US" dirty="0"/>
-          </a:p>
-        </p:txBody>
-      </p:sp>
-      <p:sp>
-        <p:nvSpPr>
-          <p:cNvPr id="4" name="Rectangle 3"/>
-          <p:cNvSpPr/>
-          <p:nvPr/>
-        </p:nvSpPr>
-        <p:spPr>
-          <a:xfrm>
-            <a:off x="609601" y="2406630"/>
-            <a:ext cx="7750627" cy="707886"/>
-          </a:xfrm>
-          <a:prstGeom prst="rect">
-            <a:avLst/>
-          </a:prstGeom>
-        </p:spPr>
-        <p:txBody>
-          <a:bodyPr wrap="square">
-            <a:spAutoFit/>
-          </a:bodyPr>
-          <a:lstStyle/>
-          <a:p>
-            <a:r>
-              <a:rPr lang="en-US" sz="4000" dirty="0" smtClean="0"/>
-              <a:t>Lets see some error prone code!</a:t>
-            </a:r>
-            <a:endParaRPr lang="en-US" sz="4000" dirty="0"/>
-          </a:p>
-        </p:txBody>
-      </p:sp>
-    </p:spTree>
-    <p:extLst>
-      <p:ext uri="{BB962C8B-B14F-4D97-AF65-F5344CB8AC3E}">
-        <p14:creationId xmlns:p14="http://schemas.microsoft.com/office/powerpoint/2010/main" val="1059178019"/>
       </p:ext>
     </p:extLst>
   </p:cSld>
@@ -3475,48 +3477,6 @@
       </p:grpSpPr>
       <p:sp>
         <p:nvSpPr>
-          <p:cNvPr id="2" name="Content Placeholder 1"/>
-          <p:cNvSpPr>
-            <a:spLocks noGrp="1"/>
-          </p:cNvSpPr>
-          <p:nvPr>
-            <p:ph idx="1"/>
-          </p:nvPr>
-        </p:nvSpPr>
-        <p:spPr>
-          <a:xfrm>
-            <a:off x="360363" y="1635162"/>
-            <a:ext cx="8339328" cy="2828016"/>
-          </a:xfrm>
-        </p:spPr>
-        <p:txBody>
-          <a:bodyPr>
-            <a:normAutofit/>
-          </a:bodyPr>
-          <a:lstStyle/>
-          <a:p>
-            <a:r>
-              <a:rPr lang="en-US" sz="3200" dirty="0" smtClean="0"/>
-              <a:t>Not managed? Probably, not the case</a:t>
-            </a:r>
-          </a:p>
-          <a:p>
-            <a:r>
-              <a:rPr lang="en-US" sz="3200" dirty="0" smtClean="0"/>
-              <a:t>Application server is already multithreaded</a:t>
-            </a:r>
-          </a:p>
-          <a:p>
-            <a:r>
-              <a:rPr lang="en-US" sz="3200" dirty="0" smtClean="0"/>
-              <a:t>Not sure? Don’t use!!!</a:t>
-            </a:r>
-            <a:endParaRPr lang="en-US" sz="3200" dirty="0"/>
-          </a:p>
-        </p:txBody>
-      </p:sp>
-      <p:sp>
-        <p:nvSpPr>
           <p:cNvPr id="3" name="Text Placeholder 2"/>
           <p:cNvSpPr>
             <a:spLocks noGrp="1"/>
@@ -3532,16 +3492,45 @@
           <a:p>
             <a:r>
               <a:rPr lang="en-US" dirty="0" smtClean="0"/>
-              <a:t>Some enterprise concerns</a:t>
+              <a:t>Common mistakes</a:t>
             </a:r>
             <a:endParaRPr lang="en-US" dirty="0"/>
+          </a:p>
+        </p:txBody>
+      </p:sp>
+      <p:sp>
+        <p:nvSpPr>
+          <p:cNvPr id="4" name="Rectangle 3"/>
+          <p:cNvSpPr/>
+          <p:nvPr/>
+        </p:nvSpPr>
+        <p:spPr>
+          <a:xfrm>
+            <a:off x="609601" y="2406630"/>
+            <a:ext cx="7750627" cy="707886"/>
+          </a:xfrm>
+          <a:prstGeom prst="rect">
+            <a:avLst/>
+          </a:prstGeom>
+        </p:spPr>
+        <p:txBody>
+          <a:bodyPr wrap="square">
+            <a:spAutoFit/>
+          </a:bodyPr>
+          <a:lstStyle/>
+          <a:p>
+            <a:r>
+              <a:rPr lang="en-US" sz="4000" dirty="0" smtClean="0"/>
+              <a:t>Lets see some error prone code!</a:t>
+            </a:r>
+            <a:endParaRPr lang="en-US" sz="4000" dirty="0"/>
           </a:p>
         </p:txBody>
       </p:sp>
     </p:spTree>
     <p:extLst>
       <p:ext uri="{BB962C8B-B14F-4D97-AF65-F5344CB8AC3E}">
-        <p14:creationId xmlns:p14="http://schemas.microsoft.com/office/powerpoint/2010/main" val="1569240690"/>
+        <p14:creationId xmlns:p14="http://schemas.microsoft.com/office/powerpoint/2010/main" val="1059178019"/>
       </p:ext>
     </p:extLst>
   </p:cSld>
@@ -3570,6 +3559,101 @@
       </p:grpSpPr>
       <p:sp>
         <p:nvSpPr>
+          <p:cNvPr id="2" name="Content Placeholder 1"/>
+          <p:cNvSpPr>
+            <a:spLocks noGrp="1"/>
+          </p:cNvSpPr>
+          <p:nvPr>
+            <p:ph idx="1"/>
+          </p:nvPr>
+        </p:nvSpPr>
+        <p:spPr>
+          <a:xfrm>
+            <a:off x="360363" y="1635162"/>
+            <a:ext cx="8339328" cy="2828016"/>
+          </a:xfrm>
+        </p:spPr>
+        <p:txBody>
+          <a:bodyPr>
+            <a:normAutofit/>
+          </a:bodyPr>
+          <a:lstStyle/>
+          <a:p>
+            <a:r>
+              <a:rPr lang="en-US" sz="3200" dirty="0" smtClean="0"/>
+              <a:t>Not managed? Probably, not the case</a:t>
+            </a:r>
+          </a:p>
+          <a:p>
+            <a:r>
+              <a:rPr lang="en-US" sz="3200" dirty="0" smtClean="0"/>
+              <a:t>Application server is already multithreaded</a:t>
+            </a:r>
+          </a:p>
+          <a:p>
+            <a:r>
+              <a:rPr lang="en-US" sz="3200" dirty="0" smtClean="0"/>
+              <a:t>Not sure? Don’t use!!!</a:t>
+            </a:r>
+            <a:endParaRPr lang="en-US" sz="3200" dirty="0"/>
+          </a:p>
+        </p:txBody>
+      </p:sp>
+      <p:sp>
+        <p:nvSpPr>
+          <p:cNvPr id="3" name="Text Placeholder 2"/>
+          <p:cNvSpPr>
+            <a:spLocks noGrp="1"/>
+          </p:cNvSpPr>
+          <p:nvPr>
+            <p:ph type="body" sz="quarter" idx="10"/>
+          </p:nvPr>
+        </p:nvSpPr>
+        <p:spPr/>
+        <p:txBody>
+          <a:bodyPr/>
+          <a:lstStyle/>
+          <a:p>
+            <a:r>
+              <a:rPr lang="en-US" dirty="0" smtClean="0"/>
+              <a:t>Some enterprise concerns</a:t>
+            </a:r>
+            <a:endParaRPr lang="en-US" dirty="0"/>
+          </a:p>
+        </p:txBody>
+      </p:sp>
+    </p:spTree>
+    <p:extLst>
+      <p:ext uri="{BB962C8B-B14F-4D97-AF65-F5344CB8AC3E}">
+        <p14:creationId xmlns:p14="http://schemas.microsoft.com/office/powerpoint/2010/main" val="1569240690"/>
+      </p:ext>
+    </p:extLst>
+  </p:cSld>
+  <p:clrMapOvr>
+    <a:masterClrMapping/>
+  </p:clrMapOvr>
+</p:sld>
+</file>
+
+<file path=ppt/slides/slide15.xml><?xml version="1.0" encoding="utf-8"?>
+<p:sld xmlns:a="http://schemas.openxmlformats.org/drawingml/2006/main" xmlns:r="http://schemas.openxmlformats.org/officeDocument/2006/relationships" xmlns:p="http://schemas.openxmlformats.org/presentationml/2006/main">
+  <p:cSld>
+    <p:spTree>
+      <p:nvGrpSpPr>
+        <p:cNvPr id="1" name=""/>
+        <p:cNvGrpSpPr/>
+        <p:nvPr/>
+      </p:nvGrpSpPr>
+      <p:grpSpPr>
+        <a:xfrm>
+          <a:off x="0" y="0"/>
+          <a:ext cx="0" cy="0"/>
+          <a:chOff x="0" y="0"/>
+          <a:chExt cx="0" cy="0"/>
+        </a:xfrm>
+      </p:grpSpPr>
+      <p:sp>
+        <p:nvSpPr>
           <p:cNvPr id="3" name="Текст 2"/>
           <p:cNvSpPr>
             <a:spLocks noGrp="1"/>
@@ -3666,7 +3750,7 @@
 </p:sld>
 </file>
 
-<file path=ppt/slides/slide15.xml><?xml version="1.0" encoding="utf-8"?>
+<file path=ppt/slides/slide16.xml><?xml version="1.0" encoding="utf-8"?>
 <p:sld xmlns:a="http://schemas.openxmlformats.org/drawingml/2006/main" xmlns:r="http://schemas.openxmlformats.org/officeDocument/2006/relationships" xmlns:p="http://schemas.openxmlformats.org/presentationml/2006/main">
   <p:cSld>
     <p:spTree>
@@ -3804,7 +3888,7 @@
 </p:sld>
 </file>
 
-<file path=ppt/slides/slide16.xml><?xml version="1.0" encoding="utf-8"?>
+<file path=ppt/slides/slide17.xml><?xml version="1.0" encoding="utf-8"?>
 <p:sld xmlns:a="http://schemas.openxmlformats.org/drawingml/2006/main" xmlns:r="http://schemas.openxmlformats.org/officeDocument/2006/relationships" xmlns:p="http://schemas.openxmlformats.org/presentationml/2006/main">
   <p:cSld>
     <p:spTree>
@@ -7455,24 +7539,6 @@
 </file>
 
 <file path=customXml/item1.xml><?xml version="1.0" encoding="utf-8"?>
-<?mso-contentType ?>
-<FormTemplates xmlns="http://schemas.microsoft.com/sharepoint/v3/contenttype/forms">
-  <Display>DocumentLibraryForm</Display>
-  <Edit>DocumentLibraryForm</Edit>
-  <New>DocumentLibraryForm</New>
-</FormTemplates>
-</file>
-
-<file path=customXml/item2.xml><?xml version="1.0" encoding="utf-8"?>
-<p:properties xmlns:p="http://schemas.microsoft.com/office/2006/metadata/properties" xmlns:xsi="http://www.w3.org/2001/XMLSchema-instance" xmlns:pc="http://schemas.microsoft.com/office/infopath/2007/PartnerControls">
-  <documentManagement>
-    <PublishingExpirationDate xmlns="http://schemas.microsoft.com/sharepoint/v3" xsi:nil="true"/>
-    <PublishingStartDate xmlns="http://schemas.microsoft.com/sharepoint/v3" xsi:nil="true"/>
-  </documentManagement>
-</p:properties>
-</file>
-
-<file path=customXml/item3.xml><?xml version="1.0" encoding="utf-8"?>
 <ct:contentTypeSchema xmlns:ct="http://schemas.microsoft.com/office/2006/metadata/contentType" xmlns:ma="http://schemas.microsoft.com/office/2006/metadata/properties/metaAttributes" ct:_="" ma:_="" ma:contentTypeName="Document" ma:contentTypeID="0x010100B0E9A4A7D20EA84CAA39F80EA2A19865" ma:contentTypeVersion="1" ma:contentTypeDescription="Create a new document." ma:contentTypeScope="" ma:versionID="4ed0c655cf5595f31b06ef1418ca28bf">
   <xsd:schema xmlns:xsd="http://www.w3.org/2001/XMLSchema" xmlns:xs="http://www.w3.org/2001/XMLSchema" xmlns:p="http://schemas.microsoft.com/office/2006/metadata/properties" xmlns:ns1="http://schemas.microsoft.com/sharepoint/v3" targetNamespace="http://schemas.microsoft.com/office/2006/metadata/properties" ma:root="true" ma:fieldsID="4dcce58c87e9fcebab8021569449a8d0" ns1:_="">
     <xsd:import namespace="http://schemas.microsoft.com/sharepoint/v3"/>
@@ -7604,10 +7670,38 @@
 </ct:contentTypeSchema>
 </file>
 
+<file path=customXml/item2.xml><?xml version="1.0" encoding="utf-8"?>
+<p:properties xmlns:p="http://schemas.microsoft.com/office/2006/metadata/properties" xmlns:xsi="http://www.w3.org/2001/XMLSchema-instance" xmlns:pc="http://schemas.microsoft.com/office/infopath/2007/PartnerControls">
+  <documentManagement>
+    <PublishingExpirationDate xmlns="http://schemas.microsoft.com/sharepoint/v3" xsi:nil="true"/>
+    <PublishingStartDate xmlns="http://schemas.microsoft.com/sharepoint/v3" xsi:nil="true"/>
+  </documentManagement>
+</p:properties>
+</file>
+
+<file path=customXml/item3.xml><?xml version="1.0" encoding="utf-8"?>
+<?mso-contentType ?>
+<FormTemplates xmlns="http://schemas.microsoft.com/sharepoint/v3/contenttype/forms">
+  <Display>DocumentLibraryForm</Display>
+  <Edit>DocumentLibraryForm</Edit>
+  <New>DocumentLibraryForm</New>
+</FormTemplates>
+</file>
+
 <file path=customXml/itemProps1.xml><?xml version="1.0" encoding="utf-8"?>
-<ds:datastoreItem xmlns:ds="http://schemas.openxmlformats.org/officeDocument/2006/customXml" ds:itemID="{14883F0F-DE57-4ECA-B9BB-F22E8C5B5D82}">
+<ds:datastoreItem xmlns:ds="http://schemas.openxmlformats.org/officeDocument/2006/customXml" ds:itemID="{C3A1A37E-F8E3-427A-BCE9-B1DDB8B96CDF}">
   <ds:schemaRefs>
-    <ds:schemaRef ds:uri="http://schemas.microsoft.com/sharepoint/v3/contenttype/forms"/>
+    <ds:schemaRef ds:uri="http://schemas.microsoft.com/office/2006/metadata/contentType"/>
+    <ds:schemaRef ds:uri="http://schemas.microsoft.com/office/2006/metadata/properties/metaAttributes"/>
+    <ds:schemaRef ds:uri="http://www.w3.org/2001/XMLSchema"/>
+    <ds:schemaRef ds:uri="http://schemas.microsoft.com/office/2006/metadata/properties"/>
+    <ds:schemaRef ds:uri="http://schemas.microsoft.com/sharepoint/v3"/>
+    <ds:schemaRef ds:uri="http://schemas.microsoft.com/office/2006/documentManagement/types"/>
+    <ds:schemaRef ds:uri="http://schemas.microsoft.com/office/infopath/2007/PartnerControls"/>
+    <ds:schemaRef ds:uri="http://schemas.openxmlformats.org/package/2006/metadata/core-properties"/>
+    <ds:schemaRef ds:uri="http://purl.org/dc/elements/1.1/"/>
+    <ds:schemaRef ds:uri="http://purl.org/dc/terms/"/>
+    <ds:schemaRef ds:uri="http://schemas.microsoft.com/internal/obd"/>
   </ds:schemaRefs>
 </ds:datastoreItem>
 </file>
@@ -7629,19 +7723,9 @@
 </file>
 
 <file path=customXml/itemProps3.xml><?xml version="1.0" encoding="utf-8"?>
-<ds:datastoreItem xmlns:ds="http://schemas.openxmlformats.org/officeDocument/2006/customXml" ds:itemID="{C3A1A37E-F8E3-427A-BCE9-B1DDB8B96CDF}">
+<ds:datastoreItem xmlns:ds="http://schemas.openxmlformats.org/officeDocument/2006/customXml" ds:itemID="{14883F0F-DE57-4ECA-B9BB-F22E8C5B5D82}">
   <ds:schemaRefs>
-    <ds:schemaRef ds:uri="http://schemas.microsoft.com/office/2006/metadata/contentType"/>
-    <ds:schemaRef ds:uri="http://schemas.microsoft.com/office/2006/metadata/properties/metaAttributes"/>
-    <ds:schemaRef ds:uri="http://www.w3.org/2001/XMLSchema"/>
-    <ds:schemaRef ds:uri="http://schemas.microsoft.com/office/2006/metadata/properties"/>
-    <ds:schemaRef ds:uri="http://schemas.microsoft.com/sharepoint/v3"/>
-    <ds:schemaRef ds:uri="http://schemas.microsoft.com/office/2006/documentManagement/types"/>
-    <ds:schemaRef ds:uri="http://schemas.microsoft.com/office/infopath/2007/PartnerControls"/>
-    <ds:schemaRef ds:uri="http://schemas.openxmlformats.org/package/2006/metadata/core-properties"/>
-    <ds:schemaRef ds:uri="http://purl.org/dc/elements/1.1/"/>
-    <ds:schemaRef ds:uri="http://purl.org/dc/terms/"/>
-    <ds:schemaRef ds:uri="http://schemas.microsoft.com/internal/obd"/>
+    <ds:schemaRef ds:uri="http://schemas.microsoft.com/sharepoint/v3/contenttype/forms"/>
   </ds:schemaRefs>
 </ds:datastoreItem>
 </file>